--- a/Documentation/VQA_Final.pptx
+++ b/Documentation/VQA_Final.pptx
@@ -5,7 +5,7 @@
     <p:sldMasterId id="2147483648" r:id="rId1"/>
   </p:sldMasterIdLst>
   <p:notesMasterIdLst>
-    <p:notesMasterId r:id="rId13"/>
+    <p:notesMasterId r:id="rId14"/>
   </p:notesMasterIdLst>
   <p:sldIdLst>
     <p:sldId id="257" r:id="rId2"/>
@@ -18,7 +18,8 @@
     <p:sldId id="289" r:id="rId9"/>
     <p:sldId id="290" r:id="rId10"/>
     <p:sldId id="288" r:id="rId11"/>
-    <p:sldId id="265" r:id="rId12"/>
+    <p:sldId id="292" r:id="rId12"/>
+    <p:sldId id="265" r:id="rId13"/>
   </p:sldIdLst>
   <p:sldSz cx="9144000" cy="6858000" type="screen4x3"/>
   <p:notesSz cx="6858000" cy="9144000"/>
@@ -4028,11 +4029,6 @@
               </a:rPr>
               <a:t>        Team :</a:t>
             </a:r>
-            <a:endParaRPr lang="en-US" sz="2400" dirty="0" smtClean="0">
-              <a:solidFill>
-                <a:srgbClr val="002060"/>
-              </a:solidFill>
-            </a:endParaRPr>
           </a:p>
           <a:p>
             <a:pPr lvl="0" algn="r">
@@ -4107,21 +4103,8 @@
                   <a:srgbClr val="002060"/>
                 </a:solidFill>
               </a:rPr>
-              <a:t>Santosh Jada</a:t>
-            </a:r>
-            <a:r>
-              <a:rPr lang="en-US" sz="2400" dirty="0" smtClean="0">
-                <a:solidFill>
-                  <a:srgbClr val="002060"/>
-                </a:solidFill>
-              </a:rPr>
-              <a:t> </a:t>
-            </a:r>
-            <a:endParaRPr lang="en-US" sz="2400" dirty="0" smtClean="0">
-              <a:solidFill>
-                <a:srgbClr val="002060"/>
-              </a:solidFill>
-            </a:endParaRPr>
+              <a:t>Santosh Jada </a:t>
+            </a:r>
           </a:p>
           <a:p>
             <a:pPr lvl="0"/>
@@ -4523,6 +4506,201 @@
                   <a:srgbClr val="0070C0"/>
                 </a:solidFill>
               </a:rPr>
+              <a:t>Acknowledgement</a:t>
+            </a:r>
+            <a:endParaRPr lang="en-GB" sz="4000" b="1" dirty="0">
+              <a:solidFill>
+                <a:srgbClr val="0070C0"/>
+              </a:solidFill>
+            </a:endParaRPr>
+          </a:p>
+        </p:txBody>
+      </p:sp>
+      <p:sp>
+        <p:nvSpPr>
+          <p:cNvPr id="3" name="Content Placeholder 2"/>
+          <p:cNvSpPr txBox="1">
+            <a:spLocks noGrp="1"/>
+          </p:cNvSpPr>
+          <p:nvPr>
+            <p:ph idx="1"/>
+          </p:nvPr>
+        </p:nvSpPr>
+        <p:spPr>
+          <a:xfrm>
+            <a:off x="457200" y="1810995"/>
+            <a:ext cx="8229600" cy="4525959"/>
+          </a:xfrm>
+        </p:spPr>
+        <p:txBody>
+          <a:bodyPr/>
+          <a:lstStyle/>
+          <a:p>
+            <a:pPr marL="0" lvl="0" indent="0">
+              <a:spcBef>
+                <a:spcPts val="500"/>
+              </a:spcBef>
+              <a:buNone/>
+            </a:pPr>
+            <a:r>
+              <a:rPr lang="en-US" sz="2200" dirty="0"/>
+              <a:t>The work has been completed under the guidance of Dr. </a:t>
+            </a:r>
+            <a:r>
+              <a:rPr lang="en-US" sz="2200" dirty="0" err="1"/>
+              <a:t>Yugi</a:t>
+            </a:r>
+            <a:r>
+              <a:rPr lang="en-US" sz="2200" dirty="0"/>
+              <a:t> Lee, </a:t>
+            </a:r>
+            <a:r>
+              <a:rPr lang="en-US" sz="2200" dirty="0" err="1"/>
+              <a:t>Mayanka</a:t>
+            </a:r>
+            <a:r>
+              <a:rPr lang="en-US" sz="2200" dirty="0"/>
+              <a:t> Chandra </a:t>
+            </a:r>
+            <a:r>
+              <a:rPr lang="en-US" sz="2200" dirty="0" err="1"/>
+              <a:t>Shekar</a:t>
+            </a:r>
+            <a:r>
+              <a:rPr lang="en-US" sz="2200" dirty="0"/>
+              <a:t>, and TAs (</a:t>
+            </a:r>
+            <a:r>
+              <a:rPr lang="en-US" sz="2200" dirty="0" err="1"/>
+              <a:t>Megha</a:t>
+            </a:r>
+            <a:r>
+              <a:rPr lang="en-US" sz="2200" dirty="0"/>
+              <a:t> </a:t>
+            </a:r>
+            <a:r>
+              <a:rPr lang="en-US" sz="2200" dirty="0" err="1"/>
+              <a:t>Nagabhushan</a:t>
+            </a:r>
+            <a:r>
+              <a:rPr lang="en-US" sz="2200" dirty="0"/>
+              <a:t>, </a:t>
+            </a:r>
+            <a:r>
+              <a:rPr lang="en-US" sz="2200" dirty="0" err="1"/>
+              <a:t>Sidrah</a:t>
+            </a:r>
+            <a:r>
+              <a:rPr lang="en-US" sz="2200" dirty="0"/>
+              <a:t> </a:t>
+            </a:r>
+            <a:r>
+              <a:rPr lang="en-US" sz="2200" dirty="0" err="1"/>
+              <a:t>Junaid</a:t>
+            </a:r>
+            <a:r>
+              <a:rPr lang="en-US" sz="2200" dirty="0"/>
+              <a:t>) of CS5542 Big Data Analytics and Apps, University of Missouri - Kansas City), Spring 2018</a:t>
+            </a:r>
+            <a:endParaRPr lang="en-US" sz="2200" dirty="0"/>
+          </a:p>
+        </p:txBody>
+      </p:sp>
+      <p:cxnSp>
+        <p:nvCxnSpPr>
+          <p:cNvPr id="4" name="Straight Connector 3"/>
+          <p:cNvCxnSpPr/>
+          <p:nvPr/>
+        </p:nvCxnSpPr>
+        <p:spPr>
+          <a:xfrm>
+            <a:off x="152403" y="1066803"/>
+            <a:ext cx="9144000" cy="1581"/>
+          </a:xfrm>
+          <a:prstGeom prst="straightConnector1">
+            <a:avLst/>
+          </a:prstGeom>
+          <a:noFill/>
+          <a:ln w="28575">
+            <a:solidFill>
+              <a:srgbClr val="FF0000"/>
+            </a:solidFill>
+            <a:prstDash val="solid"/>
+          </a:ln>
+        </p:spPr>
+      </p:cxnSp>
+    </p:spTree>
+    <p:extLst>
+      <p:ext uri="{BB962C8B-B14F-4D97-AF65-F5344CB8AC3E}">
+        <p14:creationId xmlns:p14="http://schemas.microsoft.com/office/powerpoint/2010/main" val="2123010423"/>
+      </p:ext>
+    </p:extLst>
+  </p:cSld>
+  <p:clrMapOvr>
+    <a:masterClrMapping/>
+  </p:clrMapOvr>
+  <mc:AlternateContent xmlns:mc="http://schemas.openxmlformats.org/markup-compatibility/2006" xmlns:p14="http://schemas.microsoft.com/office/powerpoint/2010/main">
+    <mc:Choice Requires="p14">
+      <p:transition spd="slow" p14:dur="2000"/>
+    </mc:Choice>
+    <mc:Fallback xmlns="">
+      <p:transition spd="slow"/>
+    </mc:Fallback>
+  </mc:AlternateContent>
+  <p:timing>
+    <p:tnLst>
+      <p:par>
+        <p:cTn id="1" dur="indefinite" restart="never" nodeType="tmRoot"/>
+      </p:par>
+    </p:tnLst>
+  </p:timing>
+</p:sld>
+</file>
+
+<file path=ppt/slides/slide12.xml><?xml version="1.0" encoding="utf-8"?>
+<p:sld xmlns:a="http://schemas.openxmlformats.org/drawingml/2006/main" xmlns:r="http://schemas.openxmlformats.org/officeDocument/2006/relationships" xmlns:p="http://schemas.openxmlformats.org/presentationml/2006/main">
+  <p:cSld>
+    <p:spTree>
+      <p:nvGrpSpPr>
+        <p:cNvPr id="1" name=""/>
+        <p:cNvGrpSpPr/>
+        <p:nvPr/>
+      </p:nvGrpSpPr>
+      <p:grpSpPr>
+        <a:xfrm>
+          <a:off x="0" y="0"/>
+          <a:ext cx="0" cy="0"/>
+          <a:chOff x="0" y="0"/>
+          <a:chExt cx="0" cy="0"/>
+        </a:xfrm>
+      </p:grpSpPr>
+      <p:sp>
+        <p:nvSpPr>
+          <p:cNvPr id="2" name="Title 1"/>
+          <p:cNvSpPr txBox="1">
+            <a:spLocks noGrp="1"/>
+          </p:cNvSpPr>
+          <p:nvPr>
+            <p:ph type="title"/>
+          </p:nvPr>
+        </p:nvSpPr>
+        <p:spPr>
+          <a:xfrm>
+            <a:off x="457200" y="381003"/>
+            <a:ext cx="8229600" cy="685800"/>
+          </a:xfrm>
+        </p:spPr>
+        <p:txBody>
+          <a:bodyPr/>
+          <a:lstStyle/>
+          <a:p>
+            <a:pPr lvl="0"/>
+            <a:r>
+              <a:rPr lang="en-US" sz="4000" b="1" dirty="0" smtClean="0">
+                <a:solidFill>
+                  <a:srgbClr val="0070C0"/>
+                </a:solidFill>
+              </a:rPr>
               <a:t>References</a:t>
             </a:r>
             <a:endParaRPr lang="en-GB" sz="4000" b="1" dirty="0">
@@ -4568,15 +4746,7 @@
             </a:pPr>
             <a:r>
               <a:rPr lang="en-US" sz="2200" dirty="0"/>
-              <a:t>https</a:t>
-            </a:r>
-            <a:r>
-              <a:rPr lang="en-US" sz="2200" dirty="0"/>
-              <a:t>://</a:t>
-            </a:r>
-            <a:r>
-              <a:rPr lang="en-US" sz="2200" dirty="0"/>
-              <a:t>arxiv.org/pdf/1702.01923.pdf</a:t>
+              <a:t>https://arxiv.org/pdf/1702.01923.pdf</a:t>
             </a:r>
           </a:p>
           <a:p>
@@ -4641,7 +4811,6 @@
               <a:rPr lang="en-US" sz="2200" dirty="0"/>
               <a:t>https://research.fb.com/wp-content/uploads/2017/08/maskrcnn.pdf</a:t>
             </a:r>
-            <a:endParaRPr lang="en-US" sz="2200" dirty="0"/>
           </a:p>
         </p:txBody>
       </p:sp>
@@ -4812,7 +4981,6 @@
               <a:rPr lang="en-US" sz="2200" dirty="0" smtClean="0"/>
               <a:t>Image Classification</a:t>
             </a:r>
-            <a:endParaRPr lang="en-US" sz="2200" dirty="0" smtClean="0"/>
           </a:p>
           <a:p>
             <a:pPr lvl="0">
@@ -4862,7 +5030,6 @@
               <a:rPr lang="en-US" sz="2200" dirty="0" smtClean="0"/>
               <a:t>Challenges</a:t>
             </a:r>
-            <a:endParaRPr lang="en-US" sz="2200" dirty="0" smtClean="0"/>
           </a:p>
           <a:p>
             <a:pPr lvl="0">
@@ -6196,7 +6363,6 @@
               <a:rPr lang="en-US" sz="2400" dirty="0" smtClean="0"/>
               <a:t>Image classification using Deep Learning ( Softmax, CNN, Inception)</a:t>
             </a:r>
-            <a:endParaRPr lang="en-US" sz="2400" dirty="0" smtClean="0"/>
           </a:p>
           <a:p>
             <a:r>
@@ -6211,7 +6377,6 @@
               <a:rPr lang="en-US" sz="2400" dirty="0" smtClean="0"/>
               <a:t> and TensorFlow Lite</a:t>
             </a:r>
-            <a:endParaRPr lang="en-US" sz="2400" dirty="0" smtClean="0"/>
           </a:p>
           <a:p>
             <a:r>
